--- a/Pictures/Presentation1.pptx
+++ b/Pictures/Presentation1.pptx
@@ -8,6 +8,9 @@
     <p:sldId id="256" r:id="rId2"/>
     <p:sldId id="257" r:id="rId3"/>
     <p:sldId id="258" r:id="rId4"/>
+    <p:sldId id="259" r:id="rId5"/>
+    <p:sldId id="260" r:id="rId6"/>
+    <p:sldId id="261" r:id="rId7"/>
   </p:sldIdLst>
   <p:sldSz cx="12192000" cy="6858000"/>
   <p:notesSz cx="6858000" cy="9144000"/>
@@ -106,6 +109,11 @@
       </a:defRPr>
     </a:lvl9pPr>
   </p:defaultTextStyle>
+  <p:extLst>
+    <p:ext uri="{EFAFB233-063F-42B5-8137-9DF3F51BA10A}">
+      <p15:sldGuideLst xmlns:p15="http://schemas.microsoft.com/office/powerpoint/2012/main"/>
+    </p:ext>
+  </p:extLst>
 </p:presentation>
 </file>
 
@@ -256,7 +264,7 @@
           <a:p>
             <a:fld id="{6702B466-2367-C84D-A710-6B5D1F31B52D}" type="datetimeFigureOut">
               <a:rPr lang="en-GB" smtClean="0"/>
-              <a:t>19/09/2019</a:t>
+              <a:t>04/10/2019</a:t>
             </a:fld>
             <a:endParaRPr lang="en-GB"/>
           </a:p>
@@ -454,7 +462,7 @@
           <a:p>
             <a:fld id="{6702B466-2367-C84D-A710-6B5D1F31B52D}" type="datetimeFigureOut">
               <a:rPr lang="en-GB" smtClean="0"/>
-              <a:t>19/09/2019</a:t>
+              <a:t>04/10/2019</a:t>
             </a:fld>
             <a:endParaRPr lang="en-GB"/>
           </a:p>
@@ -662,7 +670,7 @@
           <a:p>
             <a:fld id="{6702B466-2367-C84D-A710-6B5D1F31B52D}" type="datetimeFigureOut">
               <a:rPr lang="en-GB" smtClean="0"/>
-              <a:t>19/09/2019</a:t>
+              <a:t>04/10/2019</a:t>
             </a:fld>
             <a:endParaRPr lang="en-GB"/>
           </a:p>
@@ -860,7 +868,7 @@
           <a:p>
             <a:fld id="{6702B466-2367-C84D-A710-6B5D1F31B52D}" type="datetimeFigureOut">
               <a:rPr lang="en-GB" smtClean="0"/>
-              <a:t>19/09/2019</a:t>
+              <a:t>04/10/2019</a:t>
             </a:fld>
             <a:endParaRPr lang="en-GB"/>
           </a:p>
@@ -1135,7 +1143,7 @@
           <a:p>
             <a:fld id="{6702B466-2367-C84D-A710-6B5D1F31B52D}" type="datetimeFigureOut">
               <a:rPr lang="en-GB" smtClean="0"/>
-              <a:t>19/09/2019</a:t>
+              <a:t>04/10/2019</a:t>
             </a:fld>
             <a:endParaRPr lang="en-GB"/>
           </a:p>
@@ -1400,7 +1408,7 @@
           <a:p>
             <a:fld id="{6702B466-2367-C84D-A710-6B5D1F31B52D}" type="datetimeFigureOut">
               <a:rPr lang="en-GB" smtClean="0"/>
-              <a:t>19/09/2019</a:t>
+              <a:t>04/10/2019</a:t>
             </a:fld>
             <a:endParaRPr lang="en-GB"/>
           </a:p>
@@ -1812,7 +1820,7 @@
           <a:p>
             <a:fld id="{6702B466-2367-C84D-A710-6B5D1F31B52D}" type="datetimeFigureOut">
               <a:rPr lang="en-GB" smtClean="0"/>
-              <a:t>19/09/2019</a:t>
+              <a:t>04/10/2019</a:t>
             </a:fld>
             <a:endParaRPr lang="en-GB"/>
           </a:p>
@@ -1953,7 +1961,7 @@
           <a:p>
             <a:fld id="{6702B466-2367-C84D-A710-6B5D1F31B52D}" type="datetimeFigureOut">
               <a:rPr lang="en-GB" smtClean="0"/>
-              <a:t>19/09/2019</a:t>
+              <a:t>04/10/2019</a:t>
             </a:fld>
             <a:endParaRPr lang="en-GB"/>
           </a:p>
@@ -2066,7 +2074,7 @@
           <a:p>
             <a:fld id="{6702B466-2367-C84D-A710-6B5D1F31B52D}" type="datetimeFigureOut">
               <a:rPr lang="en-GB" smtClean="0"/>
-              <a:t>19/09/2019</a:t>
+              <a:t>04/10/2019</a:t>
             </a:fld>
             <a:endParaRPr lang="en-GB"/>
           </a:p>
@@ -2377,7 +2385,7 @@
           <a:p>
             <a:fld id="{6702B466-2367-C84D-A710-6B5D1F31B52D}" type="datetimeFigureOut">
               <a:rPr lang="en-GB" smtClean="0"/>
-              <a:t>19/09/2019</a:t>
+              <a:t>04/10/2019</a:t>
             </a:fld>
             <a:endParaRPr lang="en-GB"/>
           </a:p>
@@ -2665,7 +2673,7 @@
           <a:p>
             <a:fld id="{6702B466-2367-C84D-A710-6B5D1F31B52D}" type="datetimeFigureOut">
               <a:rPr lang="en-GB" smtClean="0"/>
-              <a:t>19/09/2019</a:t>
+              <a:t>04/10/2019</a:t>
             </a:fld>
             <a:endParaRPr lang="en-GB"/>
           </a:p>
@@ -2906,7 +2914,7 @@
           <a:p>
             <a:fld id="{6702B466-2367-C84D-A710-6B5D1F31B52D}" type="datetimeFigureOut">
               <a:rPr lang="en-GB" smtClean="0"/>
-              <a:t>19/09/2019</a:t>
+              <a:t>04/10/2019</a:t>
             </a:fld>
             <a:endParaRPr lang="en-GB"/>
           </a:p>
@@ -4703,6 +4711,965 @@
 </p:sld>
 </file>
 
+<file path=ppt/slides/slide4.xml><?xml version="1.0" encoding="utf-8"?>
+<p:sld xmlns:a="http://schemas.openxmlformats.org/drawingml/2006/main" xmlns:r="http://schemas.openxmlformats.org/officeDocument/2006/relationships" xmlns:p="http://schemas.openxmlformats.org/presentationml/2006/main">
+  <p:cSld>
+    <p:spTree>
+      <p:nvGrpSpPr>
+        <p:cNvPr id="1" name=""/>
+        <p:cNvGrpSpPr/>
+        <p:nvPr/>
+      </p:nvGrpSpPr>
+      <p:grpSpPr>
+        <a:xfrm>
+          <a:off x="0" y="0"/>
+          <a:ext cx="0" cy="0"/>
+          <a:chOff x="0" y="0"/>
+          <a:chExt cx="0" cy="0"/>
+        </a:xfrm>
+      </p:grpSpPr>
+      <p:sp>
+        <p:nvSpPr>
+          <p:cNvPr id="4" name="Rounded Rectangle 3">
+            <a:extLst>
+              <a:ext uri="{FF2B5EF4-FFF2-40B4-BE49-F238E27FC236}">
+                <a16:creationId xmlns:a16="http://schemas.microsoft.com/office/drawing/2014/main" id="{707C350B-D413-A54B-A9C1-717D2A6D9DEB}"/>
+              </a:ext>
+            </a:extLst>
+          </p:cNvPr>
+          <p:cNvSpPr/>
+          <p:nvPr/>
+        </p:nvSpPr>
+        <p:spPr>
+          <a:xfrm>
+            <a:off x="4191000" y="4212771"/>
+            <a:ext cx="2950029" cy="1121230"/>
+          </a:xfrm>
+          <a:prstGeom prst="roundRect">
+            <a:avLst/>
+          </a:prstGeom>
+          <a:blipFill dpi="0" rotWithShape="1">
+            <a:blip r:embed="rId2">
+              <a:extLst>
+                <a:ext uri="{28A0092B-C50C-407E-A947-70E740481C1C}">
+                  <a14:useLocalDpi xmlns:a14="http://schemas.microsoft.com/office/drawing/2010/main" val="0"/>
+                </a:ext>
+              </a:extLst>
+            </a:blip>
+            <a:srcRect/>
+            <a:stretch>
+              <a:fillRect/>
+            </a:stretch>
+          </a:blipFill>
+          <a:ln>
+            <a:solidFill>
+              <a:schemeClr val="tx1"/>
+            </a:solidFill>
+          </a:ln>
+        </p:spPr>
+        <p:style>
+          <a:lnRef idx="2">
+            <a:schemeClr val="accent1">
+              <a:shade val="50000"/>
+            </a:schemeClr>
+          </a:lnRef>
+          <a:fillRef idx="1">
+            <a:schemeClr val="accent1"/>
+          </a:fillRef>
+          <a:effectRef idx="0">
+            <a:schemeClr val="accent1"/>
+          </a:effectRef>
+          <a:fontRef idx="minor">
+            <a:schemeClr val="lt1"/>
+          </a:fontRef>
+        </p:style>
+        <p:txBody>
+          <a:bodyPr rtlCol="0" anchor="ctr"/>
+          <a:lstStyle/>
+          <a:p>
+            <a:pPr algn="ctr"/>
+            <a:endParaRPr lang="en-GB"/>
+          </a:p>
+        </p:txBody>
+      </p:sp>
+      <p:cxnSp>
+        <p:nvCxnSpPr>
+          <p:cNvPr id="7" name="Straight Connector 6">
+            <a:extLst>
+              <a:ext uri="{FF2B5EF4-FFF2-40B4-BE49-F238E27FC236}">
+                <a16:creationId xmlns:a16="http://schemas.microsoft.com/office/drawing/2014/main" id="{97D23793-6C32-694B-A3CE-173A4AAD5DE6}"/>
+              </a:ext>
+            </a:extLst>
+          </p:cNvPr>
+          <p:cNvCxnSpPr>
+            <a:cxnSpLocks/>
+          </p:cNvCxnSpPr>
+          <p:nvPr/>
+        </p:nvCxnSpPr>
+        <p:spPr>
+          <a:xfrm>
+            <a:off x="2492829" y="4103912"/>
+            <a:ext cx="4833257" cy="0"/>
+          </a:xfrm>
+          <a:prstGeom prst="line">
+            <a:avLst/>
+          </a:prstGeom>
+          <a:ln>
+            <a:prstDash val="dash"/>
+          </a:ln>
+        </p:spPr>
+        <p:style>
+          <a:lnRef idx="1">
+            <a:schemeClr val="dk1"/>
+          </a:lnRef>
+          <a:fillRef idx="0">
+            <a:schemeClr val="dk1"/>
+          </a:fillRef>
+          <a:effectRef idx="0">
+            <a:schemeClr val="dk1"/>
+          </a:effectRef>
+          <a:fontRef idx="minor">
+            <a:schemeClr val="tx1"/>
+          </a:fontRef>
+        </p:style>
+      </p:cxnSp>
+      <p:sp>
+        <p:nvSpPr>
+          <p:cNvPr id="8" name="TextBox 7">
+            <a:extLst>
+              <a:ext uri="{FF2B5EF4-FFF2-40B4-BE49-F238E27FC236}">
+                <a16:creationId xmlns:a16="http://schemas.microsoft.com/office/drawing/2014/main" id="{744F10A2-3B4F-794D-BA2D-AFF20BB90611}"/>
+              </a:ext>
+            </a:extLst>
+          </p:cNvPr>
+          <p:cNvSpPr txBox="1"/>
+          <p:nvPr/>
+        </p:nvSpPr>
+        <p:spPr>
+          <a:xfrm>
+            <a:off x="2105563" y="4594163"/>
+            <a:ext cx="1110342" cy="369332"/>
+          </a:xfrm>
+          <a:prstGeom prst="rect">
+            <a:avLst/>
+          </a:prstGeom>
+          <a:noFill/>
+        </p:spPr>
+        <p:txBody>
+          <a:bodyPr wrap="square" rtlCol="0">
+            <a:spAutoFit/>
+          </a:bodyPr>
+          <a:lstStyle/>
+          <a:p>
+            <a:r>
+              <a:rPr lang="en-GB" dirty="0"/>
+              <a:t>OS Layer</a:t>
+            </a:r>
+          </a:p>
+        </p:txBody>
+      </p:sp>
+      <p:sp>
+        <p:nvSpPr>
+          <p:cNvPr id="10" name="Rounded Rectangle 9">
+            <a:extLst>
+              <a:ext uri="{FF2B5EF4-FFF2-40B4-BE49-F238E27FC236}">
+                <a16:creationId xmlns:a16="http://schemas.microsoft.com/office/drawing/2014/main" id="{2D91B8A9-6135-084D-874F-F49263E23802}"/>
+              </a:ext>
+            </a:extLst>
+          </p:cNvPr>
+          <p:cNvSpPr/>
+          <p:nvPr/>
+        </p:nvSpPr>
+        <p:spPr>
+          <a:xfrm>
+            <a:off x="4191001" y="2868385"/>
+            <a:ext cx="1659383" cy="1121230"/>
+          </a:xfrm>
+          <a:prstGeom prst="roundRect">
+            <a:avLst/>
+          </a:prstGeom>
+          <a:blipFill dpi="0" rotWithShape="1">
+            <a:blip r:embed="rId3">
+              <a:extLst>
+                <a:ext uri="{28A0092B-C50C-407E-A947-70E740481C1C}">
+                  <a14:useLocalDpi xmlns:a14="http://schemas.microsoft.com/office/drawing/2010/main" val="0"/>
+                </a:ext>
+              </a:extLst>
+            </a:blip>
+            <a:srcRect/>
+            <a:stretch>
+              <a:fillRect/>
+            </a:stretch>
+          </a:blipFill>
+          <a:ln>
+            <a:solidFill>
+              <a:schemeClr val="tx1"/>
+            </a:solidFill>
+          </a:ln>
+        </p:spPr>
+        <p:style>
+          <a:lnRef idx="2">
+            <a:schemeClr val="accent1">
+              <a:shade val="50000"/>
+            </a:schemeClr>
+          </a:lnRef>
+          <a:fillRef idx="1">
+            <a:schemeClr val="accent1"/>
+          </a:fillRef>
+          <a:effectRef idx="0">
+            <a:schemeClr val="accent1"/>
+          </a:effectRef>
+          <a:fontRef idx="minor">
+            <a:schemeClr val="lt1"/>
+          </a:fontRef>
+        </p:style>
+        <p:txBody>
+          <a:bodyPr rtlCol="0" anchor="ctr"/>
+          <a:lstStyle/>
+          <a:p>
+            <a:pPr algn="ctr"/>
+            <a:endParaRPr lang="en-GB"/>
+          </a:p>
+        </p:txBody>
+      </p:sp>
+      <p:sp>
+        <p:nvSpPr>
+          <p:cNvPr id="11" name="TextBox 10">
+            <a:extLst>
+              <a:ext uri="{FF2B5EF4-FFF2-40B4-BE49-F238E27FC236}">
+                <a16:creationId xmlns:a16="http://schemas.microsoft.com/office/drawing/2014/main" id="{C14AE92F-E121-6E4C-9CEB-625C47F2FAB1}"/>
+              </a:ext>
+            </a:extLst>
+          </p:cNvPr>
+          <p:cNvSpPr txBox="1"/>
+          <p:nvPr/>
+        </p:nvSpPr>
+        <p:spPr>
+          <a:xfrm>
+            <a:off x="2105563" y="3205803"/>
+            <a:ext cx="2038057" cy="369332"/>
+          </a:xfrm>
+          <a:prstGeom prst="rect">
+            <a:avLst/>
+          </a:prstGeom>
+          <a:noFill/>
+        </p:spPr>
+        <p:txBody>
+          <a:bodyPr wrap="square" rtlCol="0">
+            <a:spAutoFit/>
+          </a:bodyPr>
+          <a:lstStyle/>
+          <a:p>
+            <a:r>
+              <a:rPr lang="en-GB" dirty="0"/>
+              <a:t>Application Layer</a:t>
+            </a:r>
+          </a:p>
+        </p:txBody>
+      </p:sp>
+      <p:cxnSp>
+        <p:nvCxnSpPr>
+          <p:cNvPr id="18" name="Straight Connector 17">
+            <a:extLst>
+              <a:ext uri="{FF2B5EF4-FFF2-40B4-BE49-F238E27FC236}">
+                <a16:creationId xmlns:a16="http://schemas.microsoft.com/office/drawing/2014/main" id="{BAF03EAC-1694-154C-BAAA-E83340FB61C9}"/>
+              </a:ext>
+            </a:extLst>
+          </p:cNvPr>
+          <p:cNvCxnSpPr>
+            <a:cxnSpLocks/>
+          </p:cNvCxnSpPr>
+          <p:nvPr/>
+        </p:nvCxnSpPr>
+        <p:spPr>
+          <a:xfrm>
+            <a:off x="2492829" y="2786148"/>
+            <a:ext cx="4833257" cy="0"/>
+          </a:xfrm>
+          <a:prstGeom prst="line">
+            <a:avLst/>
+          </a:prstGeom>
+          <a:ln>
+            <a:prstDash val="dash"/>
+          </a:ln>
+        </p:spPr>
+        <p:style>
+          <a:lnRef idx="1">
+            <a:schemeClr val="dk1"/>
+          </a:lnRef>
+          <a:fillRef idx="0">
+            <a:schemeClr val="dk1"/>
+          </a:fillRef>
+          <a:effectRef idx="0">
+            <a:schemeClr val="dk1"/>
+          </a:effectRef>
+          <a:fontRef idx="minor">
+            <a:schemeClr val="tx1"/>
+          </a:fontRef>
+        </p:style>
+      </p:cxnSp>
+      <p:sp>
+        <p:nvSpPr>
+          <p:cNvPr id="13" name="Rounded Rectangle 15">
+            <a:extLst>
+              <a:ext uri="{FF2B5EF4-FFF2-40B4-BE49-F238E27FC236}">
+                <a16:creationId xmlns:a16="http://schemas.microsoft.com/office/drawing/2014/main" id="{B77F6403-37C8-429C-AF2B-3B80353A9EA8}"/>
+              </a:ext>
+            </a:extLst>
+          </p:cNvPr>
+          <p:cNvSpPr/>
+          <p:nvPr/>
+        </p:nvSpPr>
+        <p:spPr>
+          <a:xfrm>
+            <a:off x="6553200" y="2868385"/>
+            <a:ext cx="587829" cy="1121230"/>
+          </a:xfrm>
+          <a:prstGeom prst="roundRect">
+            <a:avLst/>
+          </a:prstGeom>
+          <a:blipFill dpi="0" rotWithShape="1">
+            <a:blip r:embed="rId4">
+              <a:extLst>
+                <a:ext uri="{28A0092B-C50C-407E-A947-70E740481C1C}">
+                  <a14:useLocalDpi xmlns:a14="http://schemas.microsoft.com/office/drawing/2010/main" val="0"/>
+                </a:ext>
+              </a:extLst>
+            </a:blip>
+            <a:srcRect/>
+            <a:stretch>
+              <a:fillRect/>
+            </a:stretch>
+          </a:blipFill>
+          <a:ln>
+            <a:solidFill>
+              <a:schemeClr val="tx1"/>
+            </a:solidFill>
+          </a:ln>
+        </p:spPr>
+        <p:style>
+          <a:lnRef idx="2">
+            <a:schemeClr val="accent1">
+              <a:shade val="50000"/>
+            </a:schemeClr>
+          </a:lnRef>
+          <a:fillRef idx="1">
+            <a:schemeClr val="accent1"/>
+          </a:fillRef>
+          <a:effectRef idx="0">
+            <a:schemeClr val="accent1"/>
+          </a:effectRef>
+          <a:fontRef idx="minor">
+            <a:schemeClr val="lt1"/>
+          </a:fontRef>
+        </p:style>
+        <p:txBody>
+          <a:bodyPr rtlCol="0" anchor="ctr"/>
+          <a:lstStyle/>
+          <a:p>
+            <a:pPr algn="ctr"/>
+            <a:endParaRPr lang="en-GB"/>
+          </a:p>
+        </p:txBody>
+      </p:sp>
+      <p:cxnSp>
+        <p:nvCxnSpPr>
+          <p:cNvPr id="14" name="Straight Connector 13">
+            <a:extLst>
+              <a:ext uri="{FF2B5EF4-FFF2-40B4-BE49-F238E27FC236}">
+                <a16:creationId xmlns:a16="http://schemas.microsoft.com/office/drawing/2014/main" id="{BE0D990E-89D3-4469-9D1C-691F39890301}"/>
+              </a:ext>
+            </a:extLst>
+          </p:cNvPr>
+          <p:cNvCxnSpPr>
+            <a:cxnSpLocks/>
+          </p:cNvCxnSpPr>
+          <p:nvPr/>
+        </p:nvCxnSpPr>
+        <p:spPr>
+          <a:xfrm>
+            <a:off x="6024398" y="3429000"/>
+            <a:ext cx="371475" cy="0"/>
+          </a:xfrm>
+          <a:prstGeom prst="line">
+            <a:avLst/>
+          </a:prstGeom>
+          <a:ln w="76200" cap="rnd">
+            <a:solidFill>
+              <a:schemeClr val="dk1"/>
+            </a:solidFill>
+            <a:prstDash val="sysDot"/>
+            <a:bevel/>
+          </a:ln>
+        </p:spPr>
+        <p:style>
+          <a:lnRef idx="1">
+            <a:schemeClr val="dk1"/>
+          </a:lnRef>
+          <a:fillRef idx="0">
+            <a:schemeClr val="dk1"/>
+          </a:fillRef>
+          <a:effectRef idx="0">
+            <a:schemeClr val="dk1"/>
+          </a:effectRef>
+          <a:fontRef idx="minor">
+            <a:schemeClr val="tx1"/>
+          </a:fontRef>
+        </p:style>
+      </p:cxnSp>
+      <p:sp>
+        <p:nvSpPr>
+          <p:cNvPr id="16" name="TextBox 15">
+            <a:extLst>
+              <a:ext uri="{FF2B5EF4-FFF2-40B4-BE49-F238E27FC236}">
+                <a16:creationId xmlns:a16="http://schemas.microsoft.com/office/drawing/2014/main" id="{DEAF1676-015D-4584-B284-D8107996AB14}"/>
+              </a:ext>
+            </a:extLst>
+          </p:cNvPr>
+          <p:cNvSpPr txBox="1"/>
+          <p:nvPr/>
+        </p:nvSpPr>
+        <p:spPr>
+          <a:xfrm>
+            <a:off x="5414891" y="1871681"/>
+            <a:ext cx="1961964" cy="369332"/>
+          </a:xfrm>
+          <a:prstGeom prst="rect">
+            <a:avLst/>
+          </a:prstGeom>
+          <a:noFill/>
+        </p:spPr>
+        <p:txBody>
+          <a:bodyPr wrap="square" rtlCol="0">
+            <a:spAutoFit/>
+          </a:bodyPr>
+          <a:lstStyle/>
+          <a:p>
+            <a:r>
+              <a:rPr lang="en-GB" dirty="0"/>
+              <a:t>Other Applications</a:t>
+            </a:r>
+          </a:p>
+        </p:txBody>
+      </p:sp>
+      <p:cxnSp>
+        <p:nvCxnSpPr>
+          <p:cNvPr id="3" name="Straight Arrow Connector 2">
+            <a:extLst>
+              <a:ext uri="{FF2B5EF4-FFF2-40B4-BE49-F238E27FC236}">
+                <a16:creationId xmlns:a16="http://schemas.microsoft.com/office/drawing/2014/main" id="{3AA94836-872A-480C-A3D2-2A75368B0CEE}"/>
+              </a:ext>
+            </a:extLst>
+          </p:cNvPr>
+          <p:cNvCxnSpPr>
+            <a:cxnSpLocks/>
+          </p:cNvCxnSpPr>
+          <p:nvPr/>
+        </p:nvCxnSpPr>
+        <p:spPr>
+          <a:xfrm>
+            <a:off x="6640497" y="2246050"/>
+            <a:ext cx="206617" cy="399219"/>
+          </a:xfrm>
+          <a:prstGeom prst="straightConnector1">
+            <a:avLst/>
+          </a:prstGeom>
+          <a:ln>
+            <a:tailEnd type="triangle"/>
+          </a:ln>
+        </p:spPr>
+        <p:style>
+          <a:lnRef idx="1">
+            <a:schemeClr val="dk1"/>
+          </a:lnRef>
+          <a:fillRef idx="0">
+            <a:schemeClr val="dk1"/>
+          </a:fillRef>
+          <a:effectRef idx="0">
+            <a:schemeClr val="dk1"/>
+          </a:effectRef>
+          <a:fontRef idx="minor">
+            <a:schemeClr val="tx1"/>
+          </a:fontRef>
+        </p:style>
+      </p:cxnSp>
+      <p:cxnSp>
+        <p:nvCxnSpPr>
+          <p:cNvPr id="19" name="Straight Arrow Connector 18">
+            <a:extLst>
+              <a:ext uri="{FF2B5EF4-FFF2-40B4-BE49-F238E27FC236}">
+                <a16:creationId xmlns:a16="http://schemas.microsoft.com/office/drawing/2014/main" id="{18E09566-756D-4579-B24F-C01AEBB653FA}"/>
+              </a:ext>
+            </a:extLst>
+          </p:cNvPr>
+          <p:cNvCxnSpPr>
+            <a:cxnSpLocks/>
+          </p:cNvCxnSpPr>
+          <p:nvPr/>
+        </p:nvCxnSpPr>
+        <p:spPr>
+          <a:xfrm flipH="1">
+            <a:off x="6395873" y="2246050"/>
+            <a:ext cx="244624" cy="424354"/>
+          </a:xfrm>
+          <a:prstGeom prst="straightConnector1">
+            <a:avLst/>
+          </a:prstGeom>
+          <a:ln>
+            <a:tailEnd type="triangle"/>
+          </a:ln>
+        </p:spPr>
+        <p:style>
+          <a:lnRef idx="1">
+            <a:schemeClr val="dk1"/>
+          </a:lnRef>
+          <a:fillRef idx="0">
+            <a:schemeClr val="dk1"/>
+          </a:fillRef>
+          <a:effectRef idx="0">
+            <a:schemeClr val="dk1"/>
+          </a:effectRef>
+          <a:fontRef idx="minor">
+            <a:schemeClr val="tx1"/>
+          </a:fontRef>
+        </p:style>
+      </p:cxnSp>
+    </p:spTree>
+    <p:extLst>
+      <p:ext uri="{BB962C8B-B14F-4D97-AF65-F5344CB8AC3E}">
+        <p14:creationId xmlns:p14="http://schemas.microsoft.com/office/powerpoint/2010/main" val="70299784"/>
+      </p:ext>
+    </p:extLst>
+  </p:cSld>
+  <p:clrMapOvr>
+    <a:masterClrMapping/>
+  </p:clrMapOvr>
+</p:sld>
+</file>
+
+<file path=ppt/slides/slide5.xml><?xml version="1.0" encoding="utf-8"?>
+<p:sld xmlns:a="http://schemas.openxmlformats.org/drawingml/2006/main" xmlns:r="http://schemas.openxmlformats.org/officeDocument/2006/relationships" xmlns:p="http://schemas.openxmlformats.org/presentationml/2006/main">
+  <p:cSld>
+    <p:spTree>
+      <p:nvGrpSpPr>
+        <p:cNvPr id="1" name=""/>
+        <p:cNvGrpSpPr/>
+        <p:nvPr/>
+      </p:nvGrpSpPr>
+      <p:grpSpPr>
+        <a:xfrm>
+          <a:off x="0" y="0"/>
+          <a:ext cx="0" cy="0"/>
+          <a:chOff x="0" y="0"/>
+          <a:chExt cx="0" cy="0"/>
+        </a:xfrm>
+      </p:grpSpPr>
+      <p:pic>
+        <p:nvPicPr>
+          <p:cNvPr id="1028" name="Picture 4" descr="Related image">
+            <a:extLst>
+              <a:ext uri="{FF2B5EF4-FFF2-40B4-BE49-F238E27FC236}">
+                <a16:creationId xmlns:a16="http://schemas.microsoft.com/office/drawing/2014/main" id="{28FB77C1-3DDE-4C5A-9CCC-9F963D9347A2}"/>
+              </a:ext>
+            </a:extLst>
+          </p:cNvPr>
+          <p:cNvPicPr>
+            <a:picLocks noChangeAspect="1" noChangeArrowheads="1"/>
+          </p:cNvPicPr>
+          <p:nvPr/>
+        </p:nvPicPr>
+        <p:blipFill>
+          <a:blip r:embed="rId2">
+            <a:extLst>
+              <a:ext uri="{28A0092B-C50C-407E-A947-70E740481C1C}">
+                <a14:useLocalDpi xmlns:a14="http://schemas.microsoft.com/office/drawing/2010/main" val="0"/>
+              </a:ext>
+            </a:extLst>
+          </a:blip>
+          <a:srcRect/>
+          <a:stretch>
+            <a:fillRect/>
+          </a:stretch>
+        </p:blipFill>
+        <p:spPr bwMode="auto">
+          <a:xfrm>
+            <a:off x="0" y="0"/>
+            <a:ext cx="12192000" cy="6858000"/>
+          </a:xfrm>
+          <a:prstGeom prst="rect">
+            <a:avLst/>
+          </a:prstGeom>
+          <a:noFill/>
+          <a:extLst>
+            <a:ext uri="{909E8E84-426E-40DD-AFC4-6F175D3DCCD1}">
+              <a14:hiddenFill xmlns:a14="http://schemas.microsoft.com/office/drawing/2010/main">
+                <a:solidFill>
+                  <a:srgbClr val="FFFFFF"/>
+                </a:solidFill>
+              </a14:hiddenFill>
+            </a:ext>
+          </a:extLst>
+        </p:spPr>
+      </p:pic>
+      <p:pic>
+        <p:nvPicPr>
+          <p:cNvPr id="1026" name="Picture 2" descr="Related image">
+            <a:extLst>
+              <a:ext uri="{FF2B5EF4-FFF2-40B4-BE49-F238E27FC236}">
+                <a16:creationId xmlns:a16="http://schemas.microsoft.com/office/drawing/2014/main" id="{1A3D83FD-E69A-4100-A8D5-AE234B64A8EA}"/>
+              </a:ext>
+            </a:extLst>
+          </p:cNvPr>
+          <p:cNvPicPr>
+            <a:picLocks noChangeAspect="1" noChangeArrowheads="1"/>
+          </p:cNvPicPr>
+          <p:nvPr/>
+        </p:nvPicPr>
+        <p:blipFill>
+          <a:blip r:embed="rId3">
+            <a:extLst>
+              <a:ext uri="{28A0092B-C50C-407E-A947-70E740481C1C}">
+                <a14:useLocalDpi xmlns:a14="http://schemas.microsoft.com/office/drawing/2010/main" val="0"/>
+              </a:ext>
+            </a:extLst>
+          </a:blip>
+          <a:srcRect/>
+          <a:stretch>
+            <a:fillRect/>
+          </a:stretch>
+        </p:blipFill>
+        <p:spPr bwMode="auto">
+          <a:xfrm>
+            <a:off x="2416673" y="1491539"/>
+            <a:ext cx="6849665" cy="3874922"/>
+          </a:xfrm>
+          <a:prstGeom prst="rect">
+            <a:avLst/>
+          </a:prstGeom>
+          <a:noFill/>
+          <a:extLst>
+            <a:ext uri="{909E8E84-426E-40DD-AFC4-6F175D3DCCD1}">
+              <a14:hiddenFill xmlns:a14="http://schemas.microsoft.com/office/drawing/2010/main">
+                <a:solidFill>
+                  <a:srgbClr val="FFFFFF"/>
+                </a:solidFill>
+              </a14:hiddenFill>
+            </a:ext>
+          </a:extLst>
+        </p:spPr>
+      </p:pic>
+      <p:sp>
+        <p:nvSpPr>
+          <p:cNvPr id="4" name="Rectangle 3">
+            <a:extLst>
+              <a:ext uri="{FF2B5EF4-FFF2-40B4-BE49-F238E27FC236}">
+                <a16:creationId xmlns:a16="http://schemas.microsoft.com/office/drawing/2014/main" id="{1D851650-D98C-46F1-92ED-612AE3800651}"/>
+              </a:ext>
+            </a:extLst>
+          </p:cNvPr>
+          <p:cNvSpPr/>
+          <p:nvPr/>
+        </p:nvSpPr>
+        <p:spPr>
+          <a:xfrm>
+            <a:off x="4040901" y="2623835"/>
+            <a:ext cx="3601207" cy="1384995"/>
+          </a:xfrm>
+          <a:prstGeom prst="rect">
+            <a:avLst/>
+          </a:prstGeom>
+          <a:noFill/>
+        </p:spPr>
+        <p:txBody>
+          <a:bodyPr wrap="square" lIns="91440" tIns="45720" rIns="91440" bIns="45720">
+            <a:spAutoFit/>
+            <a:scene3d>
+              <a:camera prst="perspectiveFront"/>
+              <a:lightRig rig="threePt" dir="t"/>
+            </a:scene3d>
+          </a:bodyPr>
+          <a:lstStyle/>
+          <a:p>
+            <a:pPr algn="ctr"/>
+            <a:r>
+              <a:rPr lang="en-GB" sz="2800" b="1" dirty="0">
+                <a:ln w="0"/>
+                <a:solidFill>
+                  <a:schemeClr val="bg1"/>
+                </a:solidFill>
+                <a:effectLst>
+                  <a:reflection blurRad="6350" stA="53000" endA="300" endPos="35500" dir="5400000" sy="-90000" algn="bl" rotWithShape="0"/>
+                </a:effectLst>
+              </a:rPr>
+              <a:t>How to install Omnet++  </a:t>
+            </a:r>
+          </a:p>
+          <a:p>
+            <a:pPr algn="ctr"/>
+            <a:r>
+              <a:rPr lang="en-GB" sz="2800" b="1" dirty="0">
+                <a:ln w="0"/>
+                <a:solidFill>
+                  <a:schemeClr val="bg1"/>
+                </a:solidFill>
+                <a:effectLst>
+                  <a:reflection blurRad="6350" stA="53000" endA="300" endPos="35500" dir="5400000" sy="-90000" algn="bl" rotWithShape="0"/>
+                </a:effectLst>
+              </a:rPr>
+              <a:t>on the Ubuntu 18.04</a:t>
+            </a:r>
+          </a:p>
+        </p:txBody>
+      </p:sp>
+    </p:spTree>
+    <p:extLst>
+      <p:ext uri="{BB962C8B-B14F-4D97-AF65-F5344CB8AC3E}">
+        <p14:creationId xmlns:p14="http://schemas.microsoft.com/office/powerpoint/2010/main" val="1398938879"/>
+      </p:ext>
+    </p:extLst>
+  </p:cSld>
+  <p:clrMapOvr>
+    <a:masterClrMapping/>
+  </p:clrMapOvr>
+</p:sld>
+</file>
+
+<file path=ppt/slides/slide6.xml><?xml version="1.0" encoding="utf-8"?>
+<p:sld xmlns:a="http://schemas.openxmlformats.org/drawingml/2006/main" xmlns:r="http://schemas.openxmlformats.org/officeDocument/2006/relationships" xmlns:p="http://schemas.openxmlformats.org/presentationml/2006/main">
+  <p:cSld>
+    <p:spTree>
+      <p:nvGrpSpPr>
+        <p:cNvPr id="1" name=""/>
+        <p:cNvGrpSpPr/>
+        <p:nvPr/>
+      </p:nvGrpSpPr>
+      <p:grpSpPr>
+        <a:xfrm>
+          <a:off x="0" y="0"/>
+          <a:ext cx="0" cy="0"/>
+          <a:chOff x="0" y="0"/>
+          <a:chExt cx="0" cy="0"/>
+        </a:xfrm>
+      </p:grpSpPr>
+      <p:pic>
+        <p:nvPicPr>
+          <p:cNvPr id="1028" name="Picture 4" descr="Related image">
+            <a:extLst>
+              <a:ext uri="{FF2B5EF4-FFF2-40B4-BE49-F238E27FC236}">
+                <a16:creationId xmlns:a16="http://schemas.microsoft.com/office/drawing/2014/main" id="{28FB77C1-3DDE-4C5A-9CCC-9F963D9347A2}"/>
+              </a:ext>
+            </a:extLst>
+          </p:cNvPr>
+          <p:cNvPicPr>
+            <a:picLocks noChangeAspect="1" noChangeArrowheads="1"/>
+          </p:cNvPicPr>
+          <p:nvPr/>
+        </p:nvPicPr>
+        <p:blipFill>
+          <a:blip r:embed="rId2">
+            <a:extLst>
+              <a:ext uri="{28A0092B-C50C-407E-A947-70E740481C1C}">
+                <a14:useLocalDpi xmlns:a14="http://schemas.microsoft.com/office/drawing/2010/main" val="0"/>
+              </a:ext>
+            </a:extLst>
+          </a:blip>
+          <a:srcRect/>
+          <a:stretch>
+            <a:fillRect/>
+          </a:stretch>
+        </p:blipFill>
+        <p:spPr bwMode="auto">
+          <a:xfrm>
+            <a:off x="0" y="0"/>
+            <a:ext cx="12192000" cy="6858000"/>
+          </a:xfrm>
+          <a:prstGeom prst="rect">
+            <a:avLst/>
+          </a:prstGeom>
+          <a:noFill/>
+          <a:extLst>
+            <a:ext uri="{909E8E84-426E-40DD-AFC4-6F175D3DCCD1}">
+              <a14:hiddenFill xmlns:a14="http://schemas.microsoft.com/office/drawing/2010/main">
+                <a:solidFill>
+                  <a:srgbClr val="FFFFFF"/>
+                </a:solidFill>
+              </a14:hiddenFill>
+            </a:ext>
+          </a:extLst>
+        </p:spPr>
+      </p:pic>
+      <p:pic>
+        <p:nvPicPr>
+          <p:cNvPr id="1026" name="Picture 2" descr="Related image">
+            <a:extLst>
+              <a:ext uri="{FF2B5EF4-FFF2-40B4-BE49-F238E27FC236}">
+                <a16:creationId xmlns:a16="http://schemas.microsoft.com/office/drawing/2014/main" id="{1A3D83FD-E69A-4100-A8D5-AE234B64A8EA}"/>
+              </a:ext>
+            </a:extLst>
+          </p:cNvPr>
+          <p:cNvPicPr>
+            <a:picLocks noChangeAspect="1" noChangeArrowheads="1"/>
+          </p:cNvPicPr>
+          <p:nvPr/>
+        </p:nvPicPr>
+        <p:blipFill>
+          <a:blip r:embed="rId3">
+            <a:extLst>
+              <a:ext uri="{28A0092B-C50C-407E-A947-70E740481C1C}">
+                <a14:useLocalDpi xmlns:a14="http://schemas.microsoft.com/office/drawing/2010/main" val="0"/>
+              </a:ext>
+            </a:extLst>
+          </a:blip>
+          <a:srcRect/>
+          <a:stretch>
+            <a:fillRect/>
+          </a:stretch>
+        </p:blipFill>
+        <p:spPr bwMode="auto">
+          <a:xfrm>
+            <a:off x="2742188" y="1589194"/>
+            <a:ext cx="6849665" cy="3874922"/>
+          </a:xfrm>
+          <a:prstGeom prst="rect">
+            <a:avLst/>
+          </a:prstGeom>
+          <a:noFill/>
+          <a:extLst>
+            <a:ext uri="{909E8E84-426E-40DD-AFC4-6F175D3DCCD1}">
+              <a14:hiddenFill xmlns:a14="http://schemas.microsoft.com/office/drawing/2010/main">
+                <a:solidFill>
+                  <a:srgbClr val="FFFFFF"/>
+                </a:solidFill>
+              </a14:hiddenFill>
+            </a:ext>
+          </a:extLst>
+        </p:spPr>
+      </p:pic>
+      <p:sp>
+        <p:nvSpPr>
+          <p:cNvPr id="4" name="Rectangle 3">
+            <a:extLst>
+              <a:ext uri="{FF2B5EF4-FFF2-40B4-BE49-F238E27FC236}">
+                <a16:creationId xmlns:a16="http://schemas.microsoft.com/office/drawing/2014/main" id="{1D851650-D98C-46F1-92ED-612AE3800651}"/>
+              </a:ext>
+            </a:extLst>
+          </p:cNvPr>
+          <p:cNvSpPr/>
+          <p:nvPr/>
+        </p:nvSpPr>
+        <p:spPr>
+          <a:xfrm>
+            <a:off x="4206754" y="3488352"/>
+            <a:ext cx="3601207" cy="523220"/>
+          </a:xfrm>
+          <a:prstGeom prst="rect">
+            <a:avLst/>
+          </a:prstGeom>
+          <a:noFill/>
+        </p:spPr>
+        <p:txBody>
+          <a:bodyPr wrap="square" lIns="91440" tIns="45720" rIns="91440" bIns="45720">
+            <a:spAutoFit/>
+            <a:scene3d>
+              <a:camera prst="perspectiveFront"/>
+              <a:lightRig rig="threePt" dir="t"/>
+            </a:scene3d>
+          </a:bodyPr>
+          <a:lstStyle/>
+          <a:p>
+            <a:pPr algn="ctr"/>
+            <a:r>
+              <a:rPr lang="en-GB" sz="2800" b="1" dirty="0">
+                <a:ln w="0"/>
+                <a:solidFill>
+                  <a:schemeClr val="bg1"/>
+                </a:solidFill>
+                <a:effectLst>
+                  <a:reflection blurRad="6350" stA="53000" endA="300" endPos="35500" dir="5400000" sy="-90000" algn="bl" rotWithShape="0"/>
+                </a:effectLst>
+              </a:rPr>
+              <a:t>What is Omnet++?  </a:t>
+            </a:r>
+          </a:p>
+        </p:txBody>
+      </p:sp>
+      <p:sp>
+        <p:nvSpPr>
+          <p:cNvPr id="9" name="Rounded Rectangle 9">
+            <a:extLst>
+              <a:ext uri="{FF2B5EF4-FFF2-40B4-BE49-F238E27FC236}">
+                <a16:creationId xmlns:a16="http://schemas.microsoft.com/office/drawing/2014/main" id="{E9FC336E-4B43-4BB0-9ECC-30F945EE7F03}"/>
+              </a:ext>
+            </a:extLst>
+          </p:cNvPr>
+          <p:cNvSpPr/>
+          <p:nvPr/>
+        </p:nvSpPr>
+        <p:spPr>
+          <a:xfrm>
+            <a:off x="5441885" y="2393105"/>
+            <a:ext cx="1130947" cy="976544"/>
+          </a:xfrm>
+          <a:prstGeom prst="roundRect">
+            <a:avLst/>
+          </a:prstGeom>
+          <a:blipFill dpi="0" rotWithShape="1">
+            <a:blip r:embed="rId4">
+              <a:extLst>
+                <a:ext uri="{28A0092B-C50C-407E-A947-70E740481C1C}">
+                  <a14:useLocalDpi xmlns:a14="http://schemas.microsoft.com/office/drawing/2010/main" val="0"/>
+                </a:ext>
+              </a:extLst>
+            </a:blip>
+            <a:srcRect/>
+            <a:stretch>
+              <a:fillRect/>
+            </a:stretch>
+          </a:blipFill>
+          <a:ln>
+            <a:solidFill>
+              <a:schemeClr val="tx1"/>
+            </a:solidFill>
+          </a:ln>
+        </p:spPr>
+        <p:style>
+          <a:lnRef idx="2">
+            <a:schemeClr val="accent1">
+              <a:shade val="50000"/>
+            </a:schemeClr>
+          </a:lnRef>
+          <a:fillRef idx="1">
+            <a:schemeClr val="accent1"/>
+          </a:fillRef>
+          <a:effectRef idx="0">
+            <a:schemeClr val="accent1"/>
+          </a:effectRef>
+          <a:fontRef idx="minor">
+            <a:schemeClr val="lt1"/>
+          </a:fontRef>
+        </p:style>
+        <p:txBody>
+          <a:bodyPr rtlCol="0" anchor="ctr"/>
+          <a:lstStyle/>
+          <a:p>
+            <a:pPr algn="ctr"/>
+            <a:endParaRPr lang="en-GB"/>
+          </a:p>
+        </p:txBody>
+      </p:sp>
+    </p:spTree>
+    <p:extLst>
+      <p:ext uri="{BB962C8B-B14F-4D97-AF65-F5344CB8AC3E}">
+        <p14:creationId xmlns:p14="http://schemas.microsoft.com/office/powerpoint/2010/main" val="1623410953"/>
+      </p:ext>
+    </p:extLst>
+  </p:cSld>
+  <p:clrMapOvr>
+    <a:masterClrMapping/>
+  </p:clrMapOvr>
+</p:sld>
+</file>
+
 <file path=ppt/theme/theme1.xml><?xml version="1.0" encoding="utf-8"?>
 <a:theme xmlns:a="http://schemas.openxmlformats.org/drawingml/2006/main" name="Office Theme">
   <a:themeElements>
